--- a/24MCS1047_MTech-Project_Review2_PPT_Template_V1.pptx
+++ b/24MCS1047_MTech-Project_Review2_PPT_Template_V1.pptx
@@ -3606,7 +3606,7 @@
               <a:defRPr/>
             </a:pPr>
             <a:r>
-              <a:rPr lang="en-US" sz="3600" b="1">
+              <a:rPr lang="en-US" sz="3600" b="1" dirty="0">
                 <a:solidFill>
                   <a:prstClr val="white"/>
                 </a:solidFill>
@@ -4165,37 +4165,8 @@
                   <a:srgbClr val="5583D1"/>
                 </a:solidFill>
               </a:rPr>
-              <a:t>Baseline: </a:t>
-            </a:r>
-            <a:r>
-              <a:rPr lang="en-US" sz="2800" dirty="0" err="1">
-                <a:solidFill>
-                  <a:srgbClr val="5583D1"/>
-                </a:solidFill>
-              </a:rPr>
-              <a:t>LightGBM</a:t>
-            </a:r>
-            <a:r>
-              <a:rPr lang="en-US" sz="2800" dirty="0">
-                <a:solidFill>
-                  <a:srgbClr val="5583D1"/>
-                </a:solidFill>
-              </a:rPr>
-              <a:t>, </a:t>
-            </a:r>
-            <a:r>
-              <a:rPr lang="en-US" sz="2800" dirty="0" err="1">
-                <a:solidFill>
-                  <a:srgbClr val="5583D1"/>
-                </a:solidFill>
-              </a:rPr>
-              <a:t>XGBoost</a:t>
-            </a:r>
-            <a:endParaRPr lang="en-US" sz="2800" b="0" dirty="0">
-              <a:solidFill>
-                <a:srgbClr val="5583D1"/>
-              </a:solidFill>
-            </a:endParaRPr>
+              <a:t>Baseline: Prophet (trend + seasonality).</a:t>
+            </a:r>
           </a:p>
           <a:p>
             <a:pPr lvl="1">
@@ -4212,18 +4183,21 @@
               <a:t>Advanced: </a:t>
             </a:r>
             <a:r>
-              <a:rPr lang="en-US" sz="2800" dirty="0">
+              <a:rPr lang="en-US" sz="2800" b="0" dirty="0" err="1">
                 <a:solidFill>
                   <a:srgbClr val="5583D1"/>
                 </a:solidFill>
               </a:rPr>
-              <a:t>LSTM, GRU</a:t>
-            </a:r>
-            <a:endParaRPr lang="en-US" sz="2800" b="0" dirty="0">
-              <a:solidFill>
-                <a:srgbClr val="5583D1"/>
-              </a:solidFill>
-            </a:endParaRPr>
+              <a:t>XGBoost</a:t>
+            </a:r>
+            <a:r>
+              <a:rPr lang="en-US" sz="2800" b="0" dirty="0">
+                <a:solidFill>
+                  <a:srgbClr val="5583D1"/>
+                </a:solidFill>
+              </a:rPr>
+              <a:t> for accurate predictions</a:t>
+            </a:r>
           </a:p>
         </p:txBody>
       </p:sp>
@@ -4344,8 +4318,8 @@
         </p:nvSpPr>
         <p:spPr>
           <a:xfrm>
-            <a:off x="5072743" y="57036"/>
-            <a:ext cx="7119257" cy="369332"/>
+            <a:off x="6093893" y="57036"/>
+            <a:ext cx="6098107" cy="646331"/>
           </a:xfrm>
           <a:prstGeom prst="rect">
             <a:avLst/>
@@ -4358,18 +4332,19 @@
           </a:bodyPr>
           <a:lstStyle/>
           <a:p>
-            <a:pPr algn="ctr">
-              <a:defRPr/>
-            </a:pPr>
-            <a:r>
-              <a:rPr lang="en-US" b="1" dirty="0">
-                <a:solidFill>
-                  <a:prstClr val="white"/>
-                </a:solidFill>
-                <a:cs typeface="Calibri" panose="020F0502020204030204" pitchFamily="34" charset="0"/>
-              </a:rPr>
-              <a:t>Demand Forecasting and Dynamic Pricing Engine using Machine Learning</a:t>
-            </a:r>
+            <a:pPr algn="r"/>
+            <a:r>
+              <a:rPr lang="en-US" sz="1800" b="1" i="1" dirty="0">
+                <a:solidFill>
+                  <a:srgbClr val="FFFFFF"/>
+                </a:solidFill>
+              </a:rPr>
+              <a:t>Project Title -  Calibri body 18</a:t>
+            </a:r>
+          </a:p>
+          <a:p>
+            <a:pPr algn="r"/>
+            <a:endParaRPr lang="en-US" dirty="0"/>
           </a:p>
         </p:txBody>
       </p:sp>
@@ -4766,7 +4741,7 @@
                 </a:solidFill>
                 <a:latin typeface="+mn-lt"/>
               </a:rPr>
-              <a:t>Evaluation: Measure accuracy (RMSE) and revenue uplift.</a:t>
+              <a:t>Evaluation: Measure accuracy (MAE, RMSE, SMAPE) and revenue uplift.</a:t>
             </a:r>
             <a:endParaRPr lang="en-US" b="0" dirty="0">
               <a:solidFill>
@@ -4893,8 +4868,8 @@
         </p:nvSpPr>
         <p:spPr>
           <a:xfrm>
-            <a:off x="4985657" y="57036"/>
-            <a:ext cx="7206343" cy="369332"/>
+            <a:off x="6093893" y="57036"/>
+            <a:ext cx="6098107" cy="646331"/>
           </a:xfrm>
           <a:prstGeom prst="rect">
             <a:avLst/>
@@ -4907,18 +4882,19 @@
           </a:bodyPr>
           <a:lstStyle/>
           <a:p>
-            <a:pPr algn="ctr">
-              <a:defRPr/>
-            </a:pPr>
-            <a:r>
-              <a:rPr lang="en-US" b="1" dirty="0">
-                <a:solidFill>
-                  <a:prstClr val="white"/>
-                </a:solidFill>
-                <a:cs typeface="Calibri" panose="020F0502020204030204" pitchFamily="34" charset="0"/>
-              </a:rPr>
-              <a:t>Demand Forecasting and Dynamic Pricing Engine using Machine Learning</a:t>
-            </a:r>
+            <a:pPr algn="r"/>
+            <a:r>
+              <a:rPr lang="en-US" sz="1800" b="1" i="1" dirty="0">
+                <a:solidFill>
+                  <a:srgbClr val="FFFFFF"/>
+                </a:solidFill>
+              </a:rPr>
+              <a:t>Project Title -  Calibri body 18</a:t>
+            </a:r>
+          </a:p>
+          <a:p>
+            <a:pPr algn="r"/>
+            <a:endParaRPr lang="en-US" dirty="0"/>
           </a:p>
         </p:txBody>
       </p:sp>
@@ -4932,13 +4908,13 @@
   <p:clrMapOvr>
     <a:masterClrMapping/>
   </p:clrMapOvr>
-  <mc:AlternateContent xmlns:mc="http://schemas.openxmlformats.org/markup-compatibility/2006" xmlns:p14="http://schemas.microsoft.com/office/powerpoint/2010/main">
-    <mc:Choice Requires="p14">
+  <mc:AlternateContent xmlns:mc="http://schemas.openxmlformats.org/markup-compatibility/2006">
+    <mc:Choice xmlns:p14="http://schemas.microsoft.com/office/powerpoint/2010/main" Requires="p14">
       <p:transition spd="med" p14:dur="700">
         <p:fade/>
       </p:transition>
     </mc:Choice>
-    <mc:Fallback xmlns="">
+    <mc:Fallback>
       <p:transition spd="med">
         <p:fade/>
       </p:transition>
@@ -5306,8 +5282,8 @@
         </p:nvSpPr>
         <p:spPr>
           <a:xfrm>
-            <a:off x="4909457" y="57036"/>
-            <a:ext cx="7282543" cy="369332"/>
+            <a:off x="6093893" y="57036"/>
+            <a:ext cx="6098107" cy="646331"/>
           </a:xfrm>
           <a:prstGeom prst="rect">
             <a:avLst/>
@@ -5320,18 +5296,19 @@
           </a:bodyPr>
           <a:lstStyle/>
           <a:p>
-            <a:pPr algn="ctr">
-              <a:defRPr/>
-            </a:pPr>
-            <a:r>
-              <a:rPr lang="en-US" b="1" dirty="0">
-                <a:solidFill>
-                  <a:prstClr val="white"/>
-                </a:solidFill>
-                <a:cs typeface="Calibri" panose="020F0502020204030204" pitchFamily="34" charset="0"/>
-              </a:rPr>
-              <a:t>Demand Forecasting and Dynamic Pricing Engine using Machine Learning</a:t>
-            </a:r>
+            <a:pPr algn="r"/>
+            <a:r>
+              <a:rPr lang="en-US" sz="1800" b="1" i="1" dirty="0">
+                <a:solidFill>
+                  <a:srgbClr val="FFFFFF"/>
+                </a:solidFill>
+              </a:rPr>
+              <a:t>Project Title -  Calibri body 18</a:t>
+            </a:r>
+          </a:p>
+          <a:p>
+            <a:pPr algn="r"/>
+            <a:endParaRPr lang="en-US" dirty="0"/>
           </a:p>
         </p:txBody>
       </p:sp>
@@ -5345,13 +5322,13 @@
   <p:clrMapOvr>
     <a:masterClrMapping/>
   </p:clrMapOvr>
-  <mc:AlternateContent xmlns:mc="http://schemas.openxmlformats.org/markup-compatibility/2006" xmlns:p14="http://schemas.microsoft.com/office/powerpoint/2010/main">
-    <mc:Choice Requires="p14">
+  <mc:AlternateContent xmlns:mc="http://schemas.openxmlformats.org/markup-compatibility/2006">
+    <mc:Choice xmlns:p14="http://schemas.microsoft.com/office/powerpoint/2010/main" Requires="p14">
       <p:transition spd="med" p14:dur="700">
         <p:fade/>
       </p:transition>
     </mc:Choice>
-    <mc:Fallback xmlns="">
+    <mc:Fallback>
       <p:transition spd="med">
         <p:fade/>
       </p:transition>
@@ -5855,8 +5832,8 @@
         </p:nvSpPr>
         <p:spPr>
           <a:xfrm>
-            <a:off x="4953000" y="57036"/>
-            <a:ext cx="7239001" cy="369332"/>
+            <a:off x="6093893" y="57036"/>
+            <a:ext cx="6098107" cy="646331"/>
           </a:xfrm>
           <a:prstGeom prst="rect">
             <a:avLst/>
@@ -5869,18 +5846,19 @@
           </a:bodyPr>
           <a:lstStyle/>
           <a:p>
-            <a:pPr algn="ctr">
-              <a:defRPr/>
-            </a:pPr>
-            <a:r>
-              <a:rPr lang="en-US" b="1" dirty="0">
-                <a:solidFill>
-                  <a:prstClr val="white"/>
-                </a:solidFill>
-                <a:cs typeface="Calibri" panose="020F0502020204030204" pitchFamily="34" charset="0"/>
-              </a:rPr>
-              <a:t>Demand Forecasting and Dynamic Pricing Engine using Machine Learning</a:t>
-            </a:r>
+            <a:pPr algn="r"/>
+            <a:r>
+              <a:rPr lang="en-US" sz="1800" b="1" i="1" dirty="0">
+                <a:solidFill>
+                  <a:srgbClr val="FFFFFF"/>
+                </a:solidFill>
+              </a:rPr>
+              <a:t>Project Title -  Calibri body 18</a:t>
+            </a:r>
+          </a:p>
+          <a:p>
+            <a:pPr algn="r"/>
+            <a:endParaRPr lang="en-US" dirty="0"/>
           </a:p>
         </p:txBody>
       </p:sp>
@@ -6477,8 +6455,8 @@
         </p:nvSpPr>
         <p:spPr>
           <a:xfrm>
-            <a:off x="4985657" y="57036"/>
-            <a:ext cx="7206343" cy="369332"/>
+            <a:off x="6093893" y="57036"/>
+            <a:ext cx="6098107" cy="646331"/>
           </a:xfrm>
           <a:prstGeom prst="rect">
             <a:avLst/>
@@ -6491,18 +6469,19 @@
           </a:bodyPr>
           <a:lstStyle/>
           <a:p>
-            <a:pPr algn="ctr">
-              <a:defRPr/>
-            </a:pPr>
-            <a:r>
-              <a:rPr lang="en-US" b="1" dirty="0">
-                <a:solidFill>
-                  <a:prstClr val="white"/>
-                </a:solidFill>
-                <a:cs typeface="Calibri" panose="020F0502020204030204" pitchFamily="34" charset="0"/>
-              </a:rPr>
-              <a:t>Demand Forecasting and Dynamic Pricing Engine using Machine Learning</a:t>
-            </a:r>
+            <a:pPr algn="r"/>
+            <a:r>
+              <a:rPr lang="en-US" sz="1800" b="1" i="1" dirty="0">
+                <a:solidFill>
+                  <a:srgbClr val="FFFFFF"/>
+                </a:solidFill>
+              </a:rPr>
+              <a:t>Project Title -  Calibri body 18</a:t>
+            </a:r>
+          </a:p>
+          <a:p>
+            <a:pPr algn="r"/>
+            <a:endParaRPr lang="en-US" dirty="0"/>
           </a:p>
         </p:txBody>
       </p:sp>
@@ -6516,13 +6495,13 @@
   <p:clrMapOvr>
     <a:masterClrMapping/>
   </p:clrMapOvr>
-  <mc:AlternateContent xmlns:mc="http://schemas.openxmlformats.org/markup-compatibility/2006" xmlns:p14="http://schemas.microsoft.com/office/powerpoint/2010/main">
-    <mc:Choice Requires="p14">
+  <mc:AlternateContent xmlns:mc="http://schemas.openxmlformats.org/markup-compatibility/2006">
+    <mc:Choice xmlns:p14="http://schemas.microsoft.com/office/powerpoint/2010/main" Requires="p14">
       <p:transition spd="med" p14:dur="700">
         <p:fade/>
       </p:transition>
     </mc:Choice>
-    <mc:Fallback xmlns="">
+    <mc:Fallback>
       <p:transition spd="med">
         <p:fade/>
       </p:transition>
@@ -6777,20 +6756,12 @@
               </a:lnSpc>
             </a:pPr>
             <a:r>
-              <a:rPr lang="en-US" sz="2800" dirty="0" err="1">
+              <a:rPr lang="en-US" sz="2800" b="0" dirty="0">
                 <a:solidFill>
                   <a:srgbClr val="5583D1"/>
                 </a:solidFill>
               </a:rPr>
-              <a:t>XGBoost</a:t>
-            </a:r>
-            <a:r>
-              <a:rPr lang="en-US" sz="2800" dirty="0">
-                <a:solidFill>
-                  <a:srgbClr val="5583D1"/>
-                </a:solidFill>
-              </a:rPr>
-              <a:t> → Main forecasting model.</a:t>
+              <a:t>Prophet → Baseline time-series forecast.</a:t>
             </a:r>
           </a:p>
           <a:p>
@@ -6800,20 +6771,20 @@
               </a:lnSpc>
             </a:pPr>
             <a:r>
-              <a:rPr lang="en-US" sz="2800" dirty="0" err="1">
+              <a:rPr lang="en-US" sz="2800" b="0" dirty="0" err="1">
                 <a:solidFill>
                   <a:srgbClr val="5583D1"/>
                 </a:solidFill>
               </a:rPr>
-              <a:t>LightGBM</a:t>
-            </a:r>
-            <a:r>
-              <a:rPr lang="en-US" sz="2800" dirty="0">
+              <a:t>XGBoost</a:t>
+            </a:r>
+            <a:r>
+              <a:rPr lang="en-US" sz="2800" b="0" dirty="0">
                 <a:solidFill>
                   <a:srgbClr val="5583D1"/>
                 </a:solidFill>
               </a:rPr>
-              <a:t> → Fast, efficient tree-based model.</a:t>
+              <a:t> → Main forecasting model (tree-based, scalable).</a:t>
             </a:r>
           </a:p>
           <a:p>
@@ -6823,12 +6794,12 @@
               </a:lnSpc>
             </a:pPr>
             <a:r>
-              <a:rPr lang="en-US" sz="2800" dirty="0">
+              <a:rPr lang="en-US" sz="2800" b="0" dirty="0">
                 <a:solidFill>
                   <a:srgbClr val="5583D1"/>
                 </a:solidFill>
               </a:rPr>
-              <a:t>LSTM → Deep learning for time series.</a:t>
+              <a:t>Linear Regression → Price elasticity estimation.</a:t>
             </a:r>
           </a:p>
           <a:p>
@@ -6838,56 +6809,21 @@
               </a:lnSpc>
             </a:pPr>
             <a:r>
-              <a:rPr lang="en-US" sz="2800" dirty="0">
+              <a:rPr lang="en-US" sz="2800" b="0" dirty="0" err="1">
                 <a:solidFill>
                   <a:srgbClr val="5583D1"/>
                 </a:solidFill>
               </a:rPr>
-              <a:t>GRU → Lightweight alternative to LSTM.</a:t>
-            </a:r>
-          </a:p>
-          <a:p>
-            <a:pPr lvl="1">
-              <a:lnSpc>
-                <a:spcPct val="150000"/>
-              </a:lnSpc>
-            </a:pPr>
-            <a:r>
-              <a:rPr lang="en-US" sz="2800" dirty="0">
+              <a:t>Scipy</a:t>
+            </a:r>
+            <a:r>
+              <a:rPr lang="en-US" sz="2800" b="0" dirty="0">
                 <a:solidFill>
                   <a:srgbClr val="5583D1"/>
                 </a:solidFill>
               </a:rPr>
-              <a:t>Linear Regression → Price elasticity estimation.</a:t>
-            </a:r>
-          </a:p>
-          <a:p>
-            <a:pPr lvl="1">
-              <a:lnSpc>
-                <a:spcPct val="150000"/>
-              </a:lnSpc>
-            </a:pPr>
-            <a:r>
-              <a:rPr lang="en-US" sz="2800" dirty="0" err="1">
-                <a:solidFill>
-                  <a:srgbClr val="5583D1"/>
-                </a:solidFill>
-              </a:rPr>
-              <a:t>Scipy</a:t>
-            </a:r>
-            <a:r>
-              <a:rPr lang="en-US" sz="2800" dirty="0">
-                <a:solidFill>
-                  <a:srgbClr val="5583D1"/>
-                </a:solidFill>
-              </a:rPr>
               <a:t> Optimizer → Optimal price search.</a:t>
             </a:r>
-            <a:endParaRPr lang="en-US" sz="2800" b="0" dirty="0">
-              <a:solidFill>
-                <a:srgbClr val="5583D1"/>
-              </a:solidFill>
-            </a:endParaRPr>
           </a:p>
         </p:txBody>
       </p:sp>
@@ -7008,8 +6944,8 @@
         </p:nvSpPr>
         <p:spPr>
           <a:xfrm>
-            <a:off x="4909457" y="57036"/>
-            <a:ext cx="7282544" cy="369332"/>
+            <a:off x="6093893" y="57036"/>
+            <a:ext cx="6098107" cy="646331"/>
           </a:xfrm>
           <a:prstGeom prst="rect">
             <a:avLst/>
@@ -7022,18 +6958,19 @@
           </a:bodyPr>
           <a:lstStyle/>
           <a:p>
-            <a:pPr algn="ctr">
-              <a:defRPr/>
-            </a:pPr>
-            <a:r>
-              <a:rPr lang="en-US" b="1" dirty="0">
-                <a:solidFill>
-                  <a:prstClr val="white"/>
-                </a:solidFill>
-                <a:cs typeface="Calibri" panose="020F0502020204030204" pitchFamily="34" charset="0"/>
-              </a:rPr>
-              <a:t>Demand Forecasting and Dynamic Pricing Engine using Machine Learning</a:t>
-            </a:r>
+            <a:pPr algn="r"/>
+            <a:r>
+              <a:rPr lang="en-US" sz="1800" b="1" i="1" dirty="0">
+                <a:solidFill>
+                  <a:srgbClr val="FFFFFF"/>
+                </a:solidFill>
+              </a:rPr>
+              <a:t>Project Title -  Calibri body 18</a:t>
+            </a:r>
+          </a:p>
+          <a:p>
+            <a:pPr algn="r"/>
+            <a:endParaRPr lang="en-US" dirty="0"/>
           </a:p>
         </p:txBody>
       </p:sp>
@@ -7047,13 +6984,13 @@
   <p:clrMapOvr>
     <a:masterClrMapping/>
   </p:clrMapOvr>
-  <mc:AlternateContent xmlns:mc="http://schemas.openxmlformats.org/markup-compatibility/2006" xmlns:p14="http://schemas.microsoft.com/office/powerpoint/2010/main">
-    <mc:Choice Requires="p14">
+  <mc:AlternateContent xmlns:mc="http://schemas.openxmlformats.org/markup-compatibility/2006">
+    <mc:Choice xmlns:p14="http://schemas.microsoft.com/office/powerpoint/2010/main" Requires="p14">
       <p:transition spd="med" p14:dur="700">
         <p:fade/>
       </p:transition>
     </mc:Choice>
-    <mc:Fallback xmlns="">
+    <mc:Fallback>
       <p:transition spd="med">
         <p:fade/>
       </p:transition>
@@ -7234,68 +7171,6 @@
                                   </p:childTnLst>
                                 </p:cTn>
                               </p:par>
-                              <p:par>
-                                <p:cTn id="15" presetID="1" presetClass="entr" presetSubtype="0" fill="hold" grpId="0" nodeType="withEffect">
-                                  <p:stCondLst>
-                                    <p:cond delay="0"/>
-                                  </p:stCondLst>
-                                  <p:childTnLst>
-                                    <p:set>
-                                      <p:cBhvr>
-                                        <p:cTn id="16" dur="1" fill="hold">
-                                          <p:stCondLst>
-                                            <p:cond delay="0"/>
-                                          </p:stCondLst>
-                                        </p:cTn>
-                                        <p:tgtEl>
-                                          <p:spTgt spid="2">
-                                            <p:txEl>
-                                              <p:pRg st="5" end="5"/>
-                                            </p:txEl>
-                                          </p:spTgt>
-                                        </p:tgtEl>
-                                        <p:attrNameLst>
-                                          <p:attrName>style.visibility</p:attrName>
-                                        </p:attrNameLst>
-                                      </p:cBhvr>
-                                      <p:to>
-                                        <p:strVal val="visible"/>
-                                      </p:to>
-                                    </p:set>
-                                  </p:childTnLst>
-                                </p:cTn>
-                              </p:par>
-                              <p:par>
-                                <p:cTn id="17" presetID="1" presetClass="entr" presetSubtype="0" fill="hold" grpId="0" nodeType="withEffect">
-                                  <p:stCondLst>
-                                    <p:cond delay="0"/>
-                                  </p:stCondLst>
-                                  <p:childTnLst>
-                                    <p:set>
-                                      <p:cBhvr>
-                                        <p:cTn id="18" dur="1" fill="hold">
-                                          <p:stCondLst>
-                                            <p:cond delay="0"/>
-                                          </p:stCondLst>
-                                        </p:cTn>
-                                        <p:tgtEl>
-                                          <p:spTgt spid="2">
-                                            <p:txEl>
-                                              <p:pRg st="6" end="6"/>
-                                            </p:txEl>
-                                          </p:spTgt>
-                                        </p:tgtEl>
-                                        <p:attrNameLst>
-                                          <p:attrName>style.visibility</p:attrName>
-                                        </p:attrNameLst>
-                                      </p:cBhvr>
-                                      <p:to>
-                                        <p:strVal val="visible"/>
-                                      </p:to>
-                                    </p:set>
-                                  </p:childTnLst>
-                                </p:cTn>
-                              </p:par>
                             </p:childTnLst>
                           </p:cTn>
                         </p:par>
@@ -7652,8 +7527,8 @@
         </p:nvSpPr>
         <p:spPr>
           <a:xfrm>
-            <a:off x="4920343" y="57036"/>
-            <a:ext cx="7271657" cy="369332"/>
+            <a:off x="6093893" y="57036"/>
+            <a:ext cx="6098107" cy="646331"/>
           </a:xfrm>
           <a:prstGeom prst="rect">
             <a:avLst/>
@@ -7666,18 +7541,19 @@
           </a:bodyPr>
           <a:lstStyle/>
           <a:p>
-            <a:pPr algn="ctr">
-              <a:defRPr/>
-            </a:pPr>
-            <a:r>
-              <a:rPr lang="en-US" b="1" dirty="0">
-                <a:solidFill>
-                  <a:prstClr val="white"/>
-                </a:solidFill>
-                <a:cs typeface="Calibri" panose="020F0502020204030204" pitchFamily="34" charset="0"/>
-              </a:rPr>
-              <a:t>Demand Forecasting and Dynamic Pricing Engine using Machine Learning</a:t>
-            </a:r>
+            <a:pPr algn="r"/>
+            <a:r>
+              <a:rPr lang="en-US" sz="1800" b="1" i="1" dirty="0">
+                <a:solidFill>
+                  <a:srgbClr val="FFFFFF"/>
+                </a:solidFill>
+              </a:rPr>
+              <a:t>Project Title -  Calibri body 18</a:t>
+            </a:r>
+          </a:p>
+          <a:p>
+            <a:pPr algn="r"/>
+            <a:endParaRPr lang="en-US" dirty="0"/>
           </a:p>
         </p:txBody>
       </p:sp>
@@ -8156,8 +8032,8 @@
         </p:nvSpPr>
         <p:spPr>
           <a:xfrm>
-            <a:off x="5018314" y="57036"/>
-            <a:ext cx="7173687" cy="369332"/>
+            <a:off x="6093893" y="57036"/>
+            <a:ext cx="6098107" cy="646331"/>
           </a:xfrm>
           <a:prstGeom prst="rect">
             <a:avLst/>
@@ -8170,18 +8046,19 @@
           </a:bodyPr>
           <a:lstStyle/>
           <a:p>
-            <a:pPr algn="ctr">
-              <a:defRPr/>
-            </a:pPr>
-            <a:r>
-              <a:rPr lang="en-US" b="1" dirty="0">
-                <a:solidFill>
-                  <a:prstClr val="white"/>
-                </a:solidFill>
-                <a:cs typeface="Calibri" panose="020F0502020204030204" pitchFamily="34" charset="0"/>
-              </a:rPr>
-              <a:t>Demand Forecasting and Dynamic Pricing Engine using Machine Learning</a:t>
-            </a:r>
+            <a:pPr algn="r"/>
+            <a:r>
+              <a:rPr lang="en-US" sz="1800" b="1" i="1" dirty="0">
+                <a:solidFill>
+                  <a:srgbClr val="FFFFFF"/>
+                </a:solidFill>
+              </a:rPr>
+              <a:t>Project Title -  Calibri body 18</a:t>
+            </a:r>
+          </a:p>
+          <a:p>
+            <a:pPr algn="r"/>
+            <a:endParaRPr lang="en-US" dirty="0"/>
           </a:p>
         </p:txBody>
       </p:sp>
@@ -8746,8 +8623,8 @@
         </p:nvSpPr>
         <p:spPr>
           <a:xfrm>
-            <a:off x="4920343" y="57036"/>
-            <a:ext cx="7271657" cy="369332"/>
+            <a:off x="6093893" y="57036"/>
+            <a:ext cx="6098107" cy="646331"/>
           </a:xfrm>
           <a:prstGeom prst="rect">
             <a:avLst/>
@@ -8760,18 +8637,19 @@
           </a:bodyPr>
           <a:lstStyle/>
           <a:p>
-            <a:pPr algn="ctr">
-              <a:defRPr/>
-            </a:pPr>
-            <a:r>
-              <a:rPr lang="en-US" b="1" dirty="0">
-                <a:solidFill>
-                  <a:prstClr val="white"/>
-                </a:solidFill>
-                <a:cs typeface="Calibri" panose="020F0502020204030204" pitchFamily="34" charset="0"/>
-              </a:rPr>
-              <a:t>Demand Forecasting and Dynamic Pricing Engine using Machine Learning</a:t>
-            </a:r>
+            <a:pPr algn="r"/>
+            <a:r>
+              <a:rPr lang="en-US" sz="1800" b="1" i="1" dirty="0">
+                <a:solidFill>
+                  <a:srgbClr val="FFFFFF"/>
+                </a:solidFill>
+              </a:rPr>
+              <a:t>Project Title -  Calibri body 18</a:t>
+            </a:r>
+          </a:p>
+          <a:p>
+            <a:pPr algn="r"/>
+            <a:endParaRPr lang="en-US" dirty="0"/>
           </a:p>
         </p:txBody>
       </p:sp>
@@ -8987,13 +8865,13 @@
   <p:clrMapOvr>
     <a:masterClrMapping/>
   </p:clrMapOvr>
-  <mc:AlternateContent xmlns:mc="http://schemas.openxmlformats.org/markup-compatibility/2006" xmlns:p14="http://schemas.microsoft.com/office/powerpoint/2010/main">
-    <mc:Choice Requires="p14">
+  <mc:AlternateContent xmlns:mc="http://schemas.openxmlformats.org/markup-compatibility/2006">
+    <mc:Choice xmlns:p14="http://schemas.microsoft.com/office/powerpoint/2010/main" Requires="p14">
       <p:transition spd="med" p14:dur="700">
         <p:fade/>
       </p:transition>
     </mc:Choice>
-    <mc:Fallback xmlns="">
+    <mc:Fallback>
       <p:transition spd="med">
         <p:fade/>
       </p:transition>
@@ -9267,8 +9145,8 @@
         </p:nvSpPr>
         <p:spPr>
           <a:xfrm>
-            <a:off x="4844143" y="57036"/>
-            <a:ext cx="7347858" cy="369332"/>
+            <a:off x="6093893" y="57036"/>
+            <a:ext cx="6098107" cy="646331"/>
           </a:xfrm>
           <a:prstGeom prst="rect">
             <a:avLst/>
@@ -9281,18 +9159,19 @@
           </a:bodyPr>
           <a:lstStyle/>
           <a:p>
-            <a:pPr algn="ctr">
-              <a:defRPr/>
-            </a:pPr>
-            <a:r>
-              <a:rPr lang="en-US" b="1" dirty="0">
-                <a:solidFill>
-                  <a:prstClr val="white"/>
-                </a:solidFill>
-                <a:cs typeface="Calibri" panose="020F0502020204030204" pitchFamily="34" charset="0"/>
-              </a:rPr>
-              <a:t>Demand Forecasting and Dynamic Pricing Engine using Machine Learning</a:t>
-            </a:r>
+            <a:pPr algn="r"/>
+            <a:r>
+              <a:rPr lang="en-US" sz="1800" b="1" i="1" dirty="0">
+                <a:solidFill>
+                  <a:srgbClr val="FFFFFF"/>
+                </a:solidFill>
+              </a:rPr>
+              <a:t>Project Title -  Calibri body 18</a:t>
+            </a:r>
+          </a:p>
+          <a:p>
+            <a:pPr algn="r"/>
+            <a:endParaRPr lang="en-US" dirty="0"/>
           </a:p>
         </p:txBody>
       </p:sp>
@@ -9324,8 +9203,8 @@
         </p:blipFill>
         <p:spPr>
           <a:xfrm>
-            <a:off x="521385" y="1594385"/>
-            <a:ext cx="11164641" cy="3674301"/>
+            <a:off x="1218519" y="1823813"/>
+            <a:ext cx="9754961" cy="3210373"/>
           </a:xfrm>
           <a:prstGeom prst="rect">
             <a:avLst/>
@@ -9596,7 +9475,7 @@
                 <a:ea typeface="+mn-ea"/>
                 <a:cs typeface="+mn-cs"/>
               </a:rPr>
-              <a:t>Introduction</a:t>
+              <a:t>Introduction…. Calibri body -36</a:t>
             </a:r>
           </a:p>
         </p:txBody>
@@ -9658,8 +9537,8 @@
         </p:nvSpPr>
         <p:spPr>
           <a:xfrm>
-            <a:off x="5061857" y="57036"/>
-            <a:ext cx="7130143" cy="369332"/>
+            <a:off x="6093893" y="57036"/>
+            <a:ext cx="6098107" cy="646331"/>
           </a:xfrm>
           <a:prstGeom prst="rect">
             <a:avLst/>
@@ -9672,18 +9551,19 @@
           </a:bodyPr>
           <a:lstStyle/>
           <a:p>
-            <a:pPr algn="ctr">
-              <a:defRPr/>
-            </a:pPr>
-            <a:r>
-              <a:rPr lang="en-US" b="1" dirty="0">
-                <a:solidFill>
-                  <a:prstClr val="white"/>
-                </a:solidFill>
-                <a:cs typeface="Calibri" panose="020F0502020204030204" pitchFamily="34" charset="0"/>
-              </a:rPr>
-              <a:t>Demand Forecasting and Dynamic Pricing Engine using Machine Learning</a:t>
-            </a:r>
+            <a:pPr algn="r"/>
+            <a:r>
+              <a:rPr lang="en-US" sz="1800" b="1" i="1" dirty="0">
+                <a:solidFill>
+                  <a:srgbClr val="FFFFFF"/>
+                </a:solidFill>
+              </a:rPr>
+              <a:t>Project Title -  Calibri body 18</a:t>
+            </a:r>
+          </a:p>
+          <a:p>
+            <a:pPr algn="r"/>
+            <a:endParaRPr lang="en-US" dirty="0"/>
           </a:p>
         </p:txBody>
       </p:sp>
@@ -10034,7 +9914,7 @@
                 <a:ea typeface="+mn-ea"/>
                 <a:cs typeface="+mn-cs"/>
               </a:rPr>
-              <a:t>Introduction</a:t>
+              <a:t>Introduction…. Calibri body -36</a:t>
             </a:r>
           </a:p>
         </p:txBody>
@@ -10096,8 +9976,8 @@
         </p:nvSpPr>
         <p:spPr>
           <a:xfrm>
-            <a:off x="5094515" y="57036"/>
-            <a:ext cx="7097486" cy="369332"/>
+            <a:off x="6093893" y="57036"/>
+            <a:ext cx="6098107" cy="646331"/>
           </a:xfrm>
           <a:prstGeom prst="rect">
             <a:avLst/>
@@ -10110,18 +9990,19 @@
           </a:bodyPr>
           <a:lstStyle/>
           <a:p>
-            <a:pPr algn="ctr">
-              <a:defRPr/>
-            </a:pPr>
-            <a:r>
-              <a:rPr lang="en-US" b="1" dirty="0">
-                <a:solidFill>
-                  <a:prstClr val="white"/>
-                </a:solidFill>
-                <a:cs typeface="Calibri" panose="020F0502020204030204" pitchFamily="34" charset="0"/>
-              </a:rPr>
-              <a:t>Demand Forecasting and Dynamic Pricing Engine using Machine Learning</a:t>
-            </a:r>
+            <a:pPr algn="r"/>
+            <a:r>
+              <a:rPr lang="en-US" sz="1800" b="1" i="1" dirty="0">
+                <a:solidFill>
+                  <a:srgbClr val="FFFFFF"/>
+                </a:solidFill>
+              </a:rPr>
+              <a:t>Project Title -  Calibri body 18</a:t>
+            </a:r>
+          </a:p>
+          <a:p>
+            <a:pPr algn="r"/>
+            <a:endParaRPr lang="en-US" dirty="0"/>
           </a:p>
         </p:txBody>
       </p:sp>
@@ -10135,13 +10016,13 @@
   <p:clrMapOvr>
     <a:masterClrMapping/>
   </p:clrMapOvr>
-  <mc:AlternateContent xmlns:mc="http://schemas.openxmlformats.org/markup-compatibility/2006" xmlns:p14="http://schemas.microsoft.com/office/powerpoint/2010/main">
-    <mc:Choice Requires="p14">
+  <mc:AlternateContent xmlns:mc="http://schemas.openxmlformats.org/markup-compatibility/2006">
+    <mc:Choice xmlns:p14="http://schemas.microsoft.com/office/powerpoint/2010/main" Requires="p14">
       <p:transition spd="med" p14:dur="700">
         <p:fade/>
       </p:transition>
     </mc:Choice>
-    <mc:Fallback xmlns="">
+    <mc:Fallback>
       <p:transition spd="med">
         <p:fade/>
       </p:transition>
@@ -10438,7 +10319,7 @@
                 <a:ea typeface="+mn-ea"/>
                 <a:cs typeface="+mn-cs"/>
               </a:rPr>
-              <a:t>Objective</a:t>
+              <a:t>Objective…. Calibri body -36</a:t>
             </a:r>
           </a:p>
         </p:txBody>
@@ -10500,8 +10381,8 @@
         </p:nvSpPr>
         <p:spPr>
           <a:xfrm>
-            <a:off x="5061857" y="57036"/>
-            <a:ext cx="7130143" cy="646331"/>
+            <a:off x="6093893" y="57036"/>
+            <a:ext cx="6098107" cy="646331"/>
           </a:xfrm>
           <a:prstGeom prst="rect">
             <a:avLst/>
@@ -10514,17 +10395,14 @@
           </a:bodyPr>
           <a:lstStyle/>
           <a:p>
-            <a:pPr algn="ctr">
-              <a:defRPr/>
-            </a:pPr>
-            <a:r>
-              <a:rPr lang="en-US" b="1" dirty="0">
-                <a:solidFill>
-                  <a:prstClr val="white"/>
-                </a:solidFill>
-                <a:cs typeface="Calibri" panose="020F0502020204030204" pitchFamily="34" charset="0"/>
-              </a:rPr>
-              <a:t>Demand Forecasting and Dynamic Pricing Engine using Machine Learning</a:t>
+            <a:pPr algn="r"/>
+            <a:r>
+              <a:rPr lang="en-US" sz="1800" b="1" i="1" dirty="0">
+                <a:solidFill>
+                  <a:srgbClr val="FFFFFF"/>
+                </a:solidFill>
+              </a:rPr>
+              <a:t>Project Title -  Calibri body 18</a:t>
             </a:r>
           </a:p>
           <a:p>
@@ -10865,7 +10743,7 @@
                 <a:ea typeface="+mn-ea"/>
                 <a:cs typeface="+mn-cs"/>
               </a:rPr>
-              <a:t>Objective</a:t>
+              <a:t>Objective…. Calibri body -36</a:t>
             </a:r>
           </a:p>
         </p:txBody>
@@ -10927,8 +10805,8 @@
         </p:nvSpPr>
         <p:spPr>
           <a:xfrm>
-            <a:off x="4898571" y="57035"/>
-            <a:ext cx="7293429" cy="369332"/>
+            <a:off x="6093893" y="57036"/>
+            <a:ext cx="6098107" cy="646331"/>
           </a:xfrm>
           <a:prstGeom prst="rect">
             <a:avLst/>
@@ -10941,18 +10819,19 @@
           </a:bodyPr>
           <a:lstStyle/>
           <a:p>
-            <a:pPr algn="ctr">
-              <a:defRPr/>
-            </a:pPr>
-            <a:r>
-              <a:rPr lang="en-US" b="1" dirty="0">
-                <a:solidFill>
-                  <a:prstClr val="white"/>
-                </a:solidFill>
-                <a:cs typeface="Calibri" panose="020F0502020204030204" pitchFamily="34" charset="0"/>
-              </a:rPr>
-              <a:t>Demand Forecasting and Dynamic Pricing Engine using Machine Learning</a:t>
-            </a:r>
+            <a:pPr algn="r"/>
+            <a:r>
+              <a:rPr lang="en-US" sz="1800" b="1" i="1" dirty="0">
+                <a:solidFill>
+                  <a:srgbClr val="FFFFFF"/>
+                </a:solidFill>
+              </a:rPr>
+              <a:t>Project Title -  Calibri body 18</a:t>
+            </a:r>
+          </a:p>
+          <a:p>
+            <a:pPr algn="r"/>
+            <a:endParaRPr lang="en-US" dirty="0"/>
           </a:p>
         </p:txBody>
       </p:sp>
@@ -10966,13 +10845,13 @@
   <p:clrMapOvr>
     <a:masterClrMapping/>
   </p:clrMapOvr>
-  <mc:AlternateContent xmlns:mc="http://schemas.openxmlformats.org/markup-compatibility/2006" xmlns:p14="http://schemas.microsoft.com/office/powerpoint/2010/main">
-    <mc:Choice Requires="p14">
+  <mc:AlternateContent xmlns:mc="http://schemas.openxmlformats.org/markup-compatibility/2006">
+    <mc:Choice xmlns:p14="http://schemas.microsoft.com/office/powerpoint/2010/main" Requires="p14">
       <p:transition spd="med" p14:dur="700">
         <p:fade/>
       </p:transition>
     </mc:Choice>
-    <mc:Fallback xmlns="">
+    <mc:Fallback>
       <p:transition spd="med">
         <p:fade/>
       </p:transition>
@@ -11301,8 +11180,8 @@
         </p:nvSpPr>
         <p:spPr>
           <a:xfrm>
-            <a:off x="4953001" y="57036"/>
-            <a:ext cx="7239000" cy="369332"/>
+            <a:off x="6093893" y="57036"/>
+            <a:ext cx="6098107" cy="646331"/>
           </a:xfrm>
           <a:prstGeom prst="rect">
             <a:avLst/>
@@ -11315,18 +11194,19 @@
           </a:bodyPr>
           <a:lstStyle/>
           <a:p>
-            <a:pPr algn="ctr">
-              <a:defRPr/>
-            </a:pPr>
-            <a:r>
-              <a:rPr lang="en-US" b="1" dirty="0">
-                <a:solidFill>
-                  <a:prstClr val="white"/>
-                </a:solidFill>
-                <a:cs typeface="Calibri" panose="020F0502020204030204" pitchFamily="34" charset="0"/>
-              </a:rPr>
-              <a:t>Demand Forecasting and Dynamic Pricing Engine using Machine Learning</a:t>
-            </a:r>
+            <a:pPr algn="r"/>
+            <a:r>
+              <a:rPr lang="en-US" b="1" i="1" dirty="0">
+                <a:solidFill>
+                  <a:srgbClr val="FFFFFF"/>
+                </a:solidFill>
+              </a:rPr>
+              <a:t>Project Title -  Calibri body 18</a:t>
+            </a:r>
+          </a:p>
+          <a:p>
+            <a:pPr algn="r"/>
+            <a:endParaRPr lang="en-US" dirty="0"/>
           </a:p>
         </p:txBody>
       </p:sp>
@@ -11565,10 +11445,13 @@
                   <a:srgbClr val="FFFFFF"/>
                 </a:highlight>
               </a:rPr>
-              <a:t>ML Models: </a:t>
-            </a:r>
-            <a:r>
-              <a:rPr lang="en-US" sz="2800" dirty="0" err="1">
+              <a:t>Traditional: ARIMA, SARIMA, Prophet (baseline models).</a:t>
+            </a:r>
+          </a:p>
+          <a:p>
+            <a:pPr lvl="1"/>
+            <a:r>
+              <a:rPr lang="en-US" sz="2800" dirty="0">
                 <a:solidFill>
                   <a:srgbClr val="242424"/>
                 </a:solidFill>
@@ -11576,10 +11459,10 @@
                   <a:srgbClr val="FFFFFF"/>
                 </a:highlight>
               </a:rPr>
-              <a:t>XGBoost</a:t>
-            </a:r>
-            <a:r>
-              <a:rPr lang="en-US" sz="2800" dirty="0">
+              <a:t>ML Models: </a:t>
+            </a:r>
+            <a:r>
+              <a:rPr lang="en-US" sz="2800" dirty="0" err="1">
                 <a:solidFill>
                   <a:srgbClr val="242424"/>
                 </a:solidFill>
@@ -11587,10 +11470,10 @@
                   <a:srgbClr val="FFFFFF"/>
                 </a:highlight>
               </a:rPr>
-              <a:t>, </a:t>
-            </a:r>
-            <a:r>
-              <a:rPr lang="en-US" sz="2800" dirty="0" err="1">
+              <a:t>XGBoost</a:t>
+            </a:r>
+            <a:r>
+              <a:rPr lang="en-US" sz="2800" dirty="0">
                 <a:solidFill>
                   <a:srgbClr val="242424"/>
                 </a:solidFill>
@@ -11598,10 +11481,10 @@
                   <a:srgbClr val="FFFFFF"/>
                 </a:highlight>
               </a:rPr>
-              <a:t>LightGBM</a:t>
-            </a:r>
-            <a:r>
-              <a:rPr lang="en-US" sz="2800" dirty="0">
+              <a:t>, </a:t>
+            </a:r>
+            <a:r>
+              <a:rPr lang="en-US" sz="2800" dirty="0" err="1">
                 <a:solidFill>
                   <a:srgbClr val="242424"/>
                 </a:solidFill>
@@ -11609,11 +11492,8 @@
                   <a:srgbClr val="FFFFFF"/>
                 </a:highlight>
               </a:rPr>
-              <a:t>.</a:t>
-            </a:r>
-          </a:p>
-          <a:p>
-            <a:pPr lvl="1"/>
+              <a:t>LightGBM</a:t>
+            </a:r>
             <a:r>
               <a:rPr lang="en-US" sz="2800" dirty="0">
                 <a:solidFill>
@@ -11623,12 +11503,13 @@
                   <a:srgbClr val="FFFFFF"/>
                 </a:highlight>
               </a:rPr>
-              <a:t>DL Models: LSTM, GRU for time-series prediction.</a:t>
-            </a:r>
-          </a:p>
-          <a:p>
-            <a:r>
-              <a:rPr lang="en-US" b="0" dirty="0">
+              <a:t>.</a:t>
+            </a:r>
+          </a:p>
+          <a:p>
+            <a:pPr lvl="1"/>
+            <a:r>
+              <a:rPr lang="en-US" sz="2800" dirty="0">
                 <a:solidFill>
                   <a:srgbClr val="242424"/>
                 </a:solidFill>
@@ -11636,7 +11517,20 @@
                   <a:srgbClr val="FFFFFF"/>
                 </a:highlight>
               </a:rPr>
-              <a:t>Compare model performance using RMSE.</a:t>
+              <a:t>DL Models: LSTM, GRU for time-series prediction.</a:t>
+            </a:r>
+          </a:p>
+          <a:p>
+            <a:r>
+              <a:rPr lang="en-US" b="0" dirty="0">
+                <a:solidFill>
+                  <a:srgbClr val="242424"/>
+                </a:solidFill>
+                <a:highlight>
+                  <a:srgbClr val="FFFFFF"/>
+                </a:highlight>
+              </a:rPr>
+              <a:t>Compare model performance using MAPE, RMSE, and MAE.</a:t>
             </a:r>
           </a:p>
           <a:p>
@@ -11788,8 +11682,8 @@
         </p:nvSpPr>
         <p:spPr>
           <a:xfrm>
-            <a:off x="4985657" y="57036"/>
-            <a:ext cx="7206343" cy="369332"/>
+            <a:off x="6093893" y="57036"/>
+            <a:ext cx="6098107" cy="646331"/>
           </a:xfrm>
           <a:prstGeom prst="rect">
             <a:avLst/>
@@ -11802,18 +11696,19 @@
           </a:bodyPr>
           <a:lstStyle/>
           <a:p>
-            <a:pPr algn="ctr">
-              <a:defRPr/>
-            </a:pPr>
-            <a:r>
-              <a:rPr lang="en-US" b="1" dirty="0">
-                <a:solidFill>
-                  <a:prstClr val="white"/>
-                </a:solidFill>
-                <a:cs typeface="Calibri" panose="020F0502020204030204" pitchFamily="34" charset="0"/>
-              </a:rPr>
-              <a:t>Demand Forecasting and Dynamic Pricing Engine using Machine Learning</a:t>
-            </a:r>
+            <a:pPr algn="r"/>
+            <a:r>
+              <a:rPr lang="en-US" b="1" i="1" dirty="0">
+                <a:solidFill>
+                  <a:srgbClr val="FFFFFF"/>
+                </a:solidFill>
+              </a:rPr>
+              <a:t>Project Title -  Calibri body 18</a:t>
+            </a:r>
+          </a:p>
+          <a:p>
+            <a:pPr algn="r"/>
+            <a:endParaRPr lang="en-US" dirty="0"/>
           </a:p>
         </p:txBody>
       </p:sp>
@@ -11827,13 +11722,13 @@
   <p:clrMapOvr>
     <a:masterClrMapping/>
   </p:clrMapOvr>
-  <mc:AlternateContent xmlns:mc="http://schemas.openxmlformats.org/markup-compatibility/2006" xmlns:p159="http://schemas.microsoft.com/office/powerpoint/2015/09/main">
-    <mc:Choice Requires="p159">
+  <mc:AlternateContent xmlns:mc="http://schemas.openxmlformats.org/markup-compatibility/2006">
+    <mc:Choice xmlns:p159="http://schemas.microsoft.com/office/powerpoint/2015/09/main" Requires="p159">
       <p:transition xmlns:p14="http://schemas.microsoft.com/office/powerpoint/2010/main" spd="slow" p14:dur="2000">
         <p159:morph option="byObject"/>
       </p:transition>
     </mc:Choice>
-    <mc:Fallback xmlns="">
+    <mc:Fallback>
       <p:transition spd="slow">
         <p:fade/>
       </p:transition>
@@ -12206,8 +12101,8 @@
         </p:nvSpPr>
         <p:spPr>
           <a:xfrm>
-            <a:off x="5094515" y="57036"/>
-            <a:ext cx="7097486" cy="369332"/>
+            <a:off x="6093893" y="57036"/>
+            <a:ext cx="6098107" cy="646331"/>
           </a:xfrm>
           <a:prstGeom prst="rect">
             <a:avLst/>
@@ -12220,18 +12115,19 @@
           </a:bodyPr>
           <a:lstStyle/>
           <a:p>
-            <a:pPr algn="ctr">
-              <a:defRPr/>
-            </a:pPr>
-            <a:r>
-              <a:rPr lang="en-US" b="1" dirty="0">
-                <a:solidFill>
-                  <a:prstClr val="white"/>
-                </a:solidFill>
-                <a:cs typeface="Calibri" panose="020F0502020204030204" pitchFamily="34" charset="0"/>
-              </a:rPr>
-              <a:t>Demand Forecasting and Dynamic Pricing Engine using Machine Learning</a:t>
-            </a:r>
+            <a:pPr algn="r"/>
+            <a:r>
+              <a:rPr lang="en-US" b="1" i="1" dirty="0">
+                <a:solidFill>
+                  <a:srgbClr val="FFFFFF"/>
+                </a:solidFill>
+              </a:rPr>
+              <a:t>Project Title -  Calibri body 18</a:t>
+            </a:r>
+          </a:p>
+          <a:p>
+            <a:pPr algn="r"/>
+            <a:endParaRPr lang="en-US" dirty="0"/>
           </a:p>
         </p:txBody>
       </p:sp>
@@ -12245,13 +12141,13 @@
   <p:clrMapOvr>
     <a:masterClrMapping/>
   </p:clrMapOvr>
-  <mc:AlternateContent xmlns:mc="http://schemas.openxmlformats.org/markup-compatibility/2006" xmlns:p159="http://schemas.microsoft.com/office/powerpoint/2015/09/main">
-    <mc:Choice Requires="p159">
+  <mc:AlternateContent xmlns:mc="http://schemas.openxmlformats.org/markup-compatibility/2006">
+    <mc:Choice xmlns:p159="http://schemas.microsoft.com/office/powerpoint/2015/09/main" Requires="p159">
       <p:transition xmlns:p14="http://schemas.microsoft.com/office/powerpoint/2010/main" spd="slow" p14:dur="2000">
         <p159:morph option="byObject"/>
       </p:transition>
     </mc:Choice>
-    <mc:Fallback xmlns="">
+    <mc:Fallback>
       <p:transition spd="slow">
         <p:fade/>
       </p:transition>
@@ -12591,8 +12487,8 @@
         </p:nvSpPr>
         <p:spPr>
           <a:xfrm>
-            <a:off x="5061857" y="57036"/>
-            <a:ext cx="7130144" cy="369332"/>
+            <a:off x="6093893" y="57036"/>
+            <a:ext cx="6098107" cy="646331"/>
           </a:xfrm>
           <a:prstGeom prst="rect">
             <a:avLst/>
@@ -12605,18 +12501,19 @@
           </a:bodyPr>
           <a:lstStyle/>
           <a:p>
-            <a:pPr algn="ctr">
-              <a:defRPr/>
-            </a:pPr>
-            <a:r>
-              <a:rPr lang="en-US" b="1" dirty="0">
-                <a:solidFill>
-                  <a:prstClr val="white"/>
-                </a:solidFill>
-                <a:cs typeface="Calibri" panose="020F0502020204030204" pitchFamily="34" charset="0"/>
-              </a:rPr>
-              <a:t>Demand Forecasting and Dynamic Pricing Engine using Machine Learning</a:t>
-            </a:r>
+            <a:pPr algn="r"/>
+            <a:r>
+              <a:rPr lang="en-US" b="1" i="1" dirty="0">
+                <a:solidFill>
+                  <a:srgbClr val="FFFFFF"/>
+                </a:solidFill>
+              </a:rPr>
+              <a:t>Project Title -  Calibri body 18</a:t>
+            </a:r>
+          </a:p>
+          <a:p>
+            <a:pPr algn="r"/>
+            <a:endParaRPr lang="en-US" dirty="0"/>
           </a:p>
         </p:txBody>
       </p:sp>
@@ -12630,13 +12527,13 @@
   <p:clrMapOvr>
     <a:masterClrMapping/>
   </p:clrMapOvr>
-  <mc:AlternateContent xmlns:mc="http://schemas.openxmlformats.org/markup-compatibility/2006" xmlns:p159="http://schemas.microsoft.com/office/powerpoint/2015/09/main">
-    <mc:Choice Requires="p159">
+  <mc:AlternateContent xmlns:mc="http://schemas.openxmlformats.org/markup-compatibility/2006">
+    <mc:Choice xmlns:p159="http://schemas.microsoft.com/office/powerpoint/2015/09/main" Requires="p159">
       <p:transition xmlns:p14="http://schemas.microsoft.com/office/powerpoint/2010/main" spd="slow" p14:dur="2000">
         <p159:morph option="byObject"/>
       </p:transition>
     </mc:Choice>
-    <mc:Fallback xmlns="">
+    <mc:Fallback>
       <p:transition spd="slow">
         <p:fade/>
       </p:transition>
